--- a/ppt/0612_회의.pptx
+++ b/ppt/0612_회의.pptx
@@ -6,6 +6,7 @@
   </p:sldMasterIdLst>
   <p:sldIdLst>
     <p:sldId id="256" r:id="rId2"/>
+    <p:sldId id="257" r:id="rId3"/>
   </p:sldIdLst>
   <p:sldSz cx="12192000" cy="6858000"/>
   <p:notesSz cx="6858000" cy="9144000"/>
@@ -104,6 +105,11 @@
       </a:defRPr>
     </a:lvl9pPr>
   </p:defaultTextStyle>
+  <p:extLst>
+    <p:ext uri="{EFAFB233-063F-42B5-8137-9DF3F51BA10A}">
+      <p15:sldGuideLst xmlns:p15="http://schemas.microsoft.com/office/powerpoint/2012/main"/>
+    </p:ext>
+  </p:extLst>
 </p:presentation>
 </file>
 
@@ -254,7 +260,7 @@
           <a:p>
             <a:fld id="{DB659D76-9EB4-4907-B957-CA0B81E731FA}" type="datetimeFigureOut">
               <a:rPr lang="ko-KR" altLang="en-US" smtClean="0"/>
-              <a:t>2024-06-04</a:t>
+              <a:t>2024-06-05</a:t>
             </a:fld>
             <a:endParaRPr lang="ko-KR" altLang="en-US"/>
           </a:p>
@@ -452,7 +458,7 @@
           <a:p>
             <a:fld id="{DB659D76-9EB4-4907-B957-CA0B81E731FA}" type="datetimeFigureOut">
               <a:rPr lang="ko-KR" altLang="en-US" smtClean="0"/>
-              <a:t>2024-06-04</a:t>
+              <a:t>2024-06-05</a:t>
             </a:fld>
             <a:endParaRPr lang="ko-KR" altLang="en-US"/>
           </a:p>
@@ -660,7 +666,7 @@
           <a:p>
             <a:fld id="{DB659D76-9EB4-4907-B957-CA0B81E731FA}" type="datetimeFigureOut">
               <a:rPr lang="ko-KR" altLang="en-US" smtClean="0"/>
-              <a:t>2024-06-04</a:t>
+              <a:t>2024-06-05</a:t>
             </a:fld>
             <a:endParaRPr lang="ko-KR" altLang="en-US"/>
           </a:p>
@@ -736,6 +742,14 @@
 <file path=ppt/slideLayouts/slideLayout2.xml><?xml version="1.0" encoding="utf-8"?>
 <p:sldLayout xmlns:a="http://schemas.openxmlformats.org/drawingml/2006/main" xmlns:r="http://schemas.openxmlformats.org/officeDocument/2006/relationships" xmlns:p="http://schemas.openxmlformats.org/presentationml/2006/main" type="obj" preserve="1">
   <p:cSld name="제목 및 내용">
+    <p:bg>
+      <p:bgPr>
+        <a:solidFill>
+          <a:srgbClr val="E4E8F3"/>
+        </a:solidFill>
+        <a:effectLst/>
+      </p:bgPr>
+    </p:bg>
     <p:spTree>
       <p:nvGrpSpPr>
         <p:cNvPr id="1" name=""/>
@@ -858,7 +872,7 @@
           <a:p>
             <a:fld id="{DB659D76-9EB4-4907-B957-CA0B81E731FA}" type="datetimeFigureOut">
               <a:rPr lang="ko-KR" altLang="en-US" smtClean="0"/>
-              <a:t>2024-06-04</a:t>
+              <a:t>2024-06-05</a:t>
             </a:fld>
             <a:endParaRPr lang="ko-KR" altLang="en-US"/>
           </a:p>
@@ -934,6 +948,14 @@
 <file path=ppt/slideLayouts/slideLayout3.xml><?xml version="1.0" encoding="utf-8"?>
 <p:sldLayout xmlns:a="http://schemas.openxmlformats.org/drawingml/2006/main" xmlns:r="http://schemas.openxmlformats.org/officeDocument/2006/relationships" xmlns:p="http://schemas.openxmlformats.org/presentationml/2006/main" type="secHead" preserve="1">
   <p:cSld name="구역 머리글">
+    <p:bg>
+      <p:bgPr>
+        <a:solidFill>
+          <a:srgbClr val="E4E8F3"/>
+        </a:solidFill>
+        <a:effectLst/>
+      </p:bgPr>
+    </p:bg>
     <p:spTree>
       <p:nvGrpSpPr>
         <p:cNvPr id="1" name=""/>
@@ -1133,7 +1155,7 @@
           <a:p>
             <a:fld id="{DB659D76-9EB4-4907-B957-CA0B81E731FA}" type="datetimeFigureOut">
               <a:rPr lang="ko-KR" altLang="en-US" smtClean="0"/>
-              <a:t>2024-06-04</a:t>
+              <a:t>2024-06-05</a:t>
             </a:fld>
             <a:endParaRPr lang="ko-KR" altLang="en-US"/>
           </a:p>
@@ -1398,7 +1420,7 @@
           <a:p>
             <a:fld id="{DB659D76-9EB4-4907-B957-CA0B81E731FA}" type="datetimeFigureOut">
               <a:rPr lang="ko-KR" altLang="en-US" smtClean="0"/>
-              <a:t>2024-06-04</a:t>
+              <a:t>2024-06-05</a:t>
             </a:fld>
             <a:endParaRPr lang="ko-KR" altLang="en-US"/>
           </a:p>
@@ -1810,7 +1832,7 @@
           <a:p>
             <a:fld id="{DB659D76-9EB4-4907-B957-CA0B81E731FA}" type="datetimeFigureOut">
               <a:rPr lang="ko-KR" altLang="en-US" smtClean="0"/>
-              <a:t>2024-06-04</a:t>
+              <a:t>2024-06-05</a:t>
             </a:fld>
             <a:endParaRPr lang="ko-KR" altLang="en-US"/>
           </a:p>
@@ -1951,7 +1973,7 @@
           <a:p>
             <a:fld id="{DB659D76-9EB4-4907-B957-CA0B81E731FA}" type="datetimeFigureOut">
               <a:rPr lang="ko-KR" altLang="en-US" smtClean="0"/>
-              <a:t>2024-06-04</a:t>
+              <a:t>2024-06-05</a:t>
             </a:fld>
             <a:endParaRPr lang="ko-KR" altLang="en-US"/>
           </a:p>
@@ -2064,7 +2086,7 @@
           <a:p>
             <a:fld id="{DB659D76-9EB4-4907-B957-CA0B81E731FA}" type="datetimeFigureOut">
               <a:rPr lang="ko-KR" altLang="en-US" smtClean="0"/>
-              <a:t>2024-06-04</a:t>
+              <a:t>2024-06-05</a:t>
             </a:fld>
             <a:endParaRPr lang="ko-KR" altLang="en-US"/>
           </a:p>
@@ -2375,7 +2397,7 @@
           <a:p>
             <a:fld id="{DB659D76-9EB4-4907-B957-CA0B81E731FA}" type="datetimeFigureOut">
               <a:rPr lang="ko-KR" altLang="en-US" smtClean="0"/>
-              <a:t>2024-06-04</a:t>
+              <a:t>2024-06-05</a:t>
             </a:fld>
             <a:endParaRPr lang="ko-KR" altLang="en-US"/>
           </a:p>
@@ -2663,7 +2685,7 @@
           <a:p>
             <a:fld id="{DB659D76-9EB4-4907-B957-CA0B81E731FA}" type="datetimeFigureOut">
               <a:rPr lang="ko-KR" altLang="en-US" smtClean="0"/>
-              <a:t>2024-06-04</a:t>
+              <a:t>2024-06-05</a:t>
             </a:fld>
             <a:endParaRPr lang="ko-KR" altLang="en-US"/>
           </a:p>
@@ -2740,9 +2762,12 @@
 <p:sldMaster xmlns:a="http://schemas.openxmlformats.org/drawingml/2006/main" xmlns:r="http://schemas.openxmlformats.org/officeDocument/2006/relationships" xmlns:p="http://schemas.openxmlformats.org/presentationml/2006/main">
   <p:cSld>
     <p:bg>
-      <p:bgRef idx="1001">
-        <a:schemeClr val="bg1"/>
-      </p:bgRef>
+      <p:bgPr>
+        <a:solidFill>
+          <a:srgbClr val="E4E8F3"/>
+        </a:solidFill>
+        <a:effectLst/>
+      </p:bgPr>
     </p:bg>
     <p:spTree>
       <p:nvGrpSpPr>
@@ -2904,7 +2929,7 @@
           <a:p>
             <a:fld id="{DB659D76-9EB4-4907-B957-CA0B81E731FA}" type="datetimeFigureOut">
               <a:rPr lang="ko-KR" altLang="en-US" smtClean="0"/>
-              <a:t>2024-06-04</a:t>
+              <a:t>2024-06-05</a:t>
             </a:fld>
             <a:endParaRPr lang="ko-KR" altLang="en-US"/>
           </a:p>
@@ -3307,6 +3332,14 @@
 <file path=ppt/slides/slide1.xml><?xml version="1.0" encoding="utf-8"?>
 <p:sld xmlns:a="http://schemas.openxmlformats.org/drawingml/2006/main" xmlns:r="http://schemas.openxmlformats.org/officeDocument/2006/relationships" xmlns:p="http://schemas.openxmlformats.org/presentationml/2006/main">
   <p:cSld>
+    <p:bg>
+      <p:bgPr>
+        <a:solidFill>
+          <a:srgbClr val="E4E8F3"/>
+        </a:solidFill>
+        <a:effectLst/>
+      </p:bgPr>
+    </p:bg>
     <p:spTree>
       <p:nvGrpSpPr>
         <p:cNvPr id="1" name=""/>
@@ -3325,6 +3358,44 @@
     <p:extLst>
       <p:ext uri="{BB962C8B-B14F-4D97-AF65-F5344CB8AC3E}">
         <p14:creationId xmlns:p14="http://schemas.microsoft.com/office/powerpoint/2010/main" val="547458672"/>
+      </p:ext>
+    </p:extLst>
+  </p:cSld>
+  <p:clrMapOvr>
+    <a:masterClrMapping/>
+  </p:clrMapOvr>
+</p:sld>
+</file>
+
+<file path=ppt/slides/slide2.xml><?xml version="1.0" encoding="utf-8"?>
+<p:sld xmlns:a="http://schemas.openxmlformats.org/drawingml/2006/main" xmlns:r="http://schemas.openxmlformats.org/officeDocument/2006/relationships" xmlns:p="http://schemas.openxmlformats.org/presentationml/2006/main">
+  <p:cSld>
+    <p:bg>
+      <p:bgPr>
+        <a:solidFill>
+          <a:srgbClr val="E4E8F3"/>
+        </a:solidFill>
+        <a:effectLst/>
+      </p:bgPr>
+    </p:bg>
+    <p:spTree>
+      <p:nvGrpSpPr>
+        <p:cNvPr id="1" name=""/>
+        <p:cNvGrpSpPr/>
+        <p:nvPr/>
+      </p:nvGrpSpPr>
+      <p:grpSpPr>
+        <a:xfrm>
+          <a:off x="0" y="0"/>
+          <a:ext cx="0" cy="0"/>
+          <a:chOff x="0" y="0"/>
+          <a:chExt cx="0" cy="0"/>
+        </a:xfrm>
+      </p:grpSpPr>
+    </p:spTree>
+    <p:extLst>
+      <p:ext uri="{BB962C8B-B14F-4D97-AF65-F5344CB8AC3E}">
+        <p14:creationId xmlns:p14="http://schemas.microsoft.com/office/powerpoint/2010/main" val="3028173794"/>
       </p:ext>
     </p:extLst>
   </p:cSld>
